--- a/canada-collision/docs/doc.pptx
+++ b/canada-collision/docs/doc.pptx
@@ -3847,7 +3847,7 @@
           <p:nvPr>
             <p:extLst>
               <p:ext uri="{D42A27DB-BD31-4B8C-83A1-F6EECF244321}">
-                <p14:modId xmlns:p14="http://schemas.microsoft.com/office/powerpoint/2010/main" val="676157746"/>
+                <p14:modId xmlns:p14="http://schemas.microsoft.com/office/powerpoint/2010/main" val="945849164"/>
               </p:ext>
             </p:extLst>
           </p:nvPr>
@@ -4198,7 +4198,7 @@
           <p:nvPr>
             <p:extLst>
               <p:ext uri="{D42A27DB-BD31-4B8C-83A1-F6EECF244321}">
-                <p14:modId xmlns:p14="http://schemas.microsoft.com/office/powerpoint/2010/main" val="612798107"/>
+                <p14:modId xmlns:p14="http://schemas.microsoft.com/office/powerpoint/2010/main" val="4073835213"/>
               </p:ext>
             </p:extLst>
           </p:nvPr>
